--- a/Sáng thứ 5.pptx
+++ b/Sáng thứ 5.pptx
@@ -141,7 +141,7 @@
   </p:defaultTextStyle>
   <p:extLst>
     <p:ext uri="{EFAFB233-063F-42B5-8137-9DF3F51BA10A}">
-      <p15:sldGuideLst xmlns:p15="http://schemas.microsoft.com/office/powerpoint/2012/main">
+      <p15:sldGuideLst xmlns="" xmlns:p15="http://schemas.microsoft.com/office/powerpoint/2012/main">
         <p15:guide id="1" orient="horz" pos="2160">
           <p15:clr>
             <a:srgbClr val="A4A3A4"/>
@@ -3746,6 +3746,13 @@
     <a:masterClrMapping/>
   </p:clrMapOvr>
   <p:transition/>
+  <p:timing>
+    <p:tnLst>
+      <p:par>
+        <p:cTn id="1" dur="indefinite" restart="never" nodeType="tmRoot"/>
+      </p:par>
+    </p:tnLst>
+  </p:timing>
 </p:sld>
 </file>
 
@@ -4328,6 +4335,13 @@
     <a:masterClrMapping/>
   </p:clrMapOvr>
   <p:transition/>
+  <p:timing>
+    <p:tnLst>
+      <p:par>
+        <p:cTn id="1" dur="indefinite" restart="never" nodeType="tmRoot"/>
+      </p:par>
+    </p:tnLst>
+  </p:timing>
 </p:sld>
 </file>
 
@@ -4408,11 +4422,11 @@
           <a:p>
             <a:pPr algn="just"/>
             <a:r>
-              <a:rPr lang="en-US" sz="5400" b="1" dirty="0">
-                <a:latin typeface="Times New Roman" panose="02020603050405020304" pitchFamily="18" charset="0"/>
-                <a:cs typeface="Times New Roman" panose="02020603050405020304" pitchFamily="18" charset="0"/>
-              </a:rPr>
-              <a:t>…</a:t>
+              <a:rPr lang="en-US" sz="5400" b="1" smtClean="0">
+                <a:latin typeface="Times New Roman" panose="02020603050405020304" pitchFamily="18" charset="0"/>
+                <a:cs typeface="Times New Roman" panose="02020603050405020304" pitchFamily="18" charset="0"/>
+              </a:rPr>
+              <a:t>Hoàng hậu đứng bên hữu Đức vua trang điểm vàng trinh nguyên diễm lệ</a:t>
             </a:r>
             <a:endParaRPr lang="vi-VN" sz="5400" b="1" dirty="0">
               <a:latin typeface="Times New Roman" panose="02020603050405020304" pitchFamily="18" charset="0"/>
@@ -4432,6 +4446,13 @@
     <a:masterClrMapping/>
   </p:clrMapOvr>
   <p:transition/>
+  <p:timing>
+    <p:tnLst>
+      <p:par>
+        <p:cTn id="1" dur="indefinite" restart="never" nodeType="tmRoot"/>
+      </p:par>
+    </p:tnLst>
+  </p:timing>
 </p:sld>
 </file>
 
@@ -4499,7 +4520,259 @@
                 <a:latin typeface="Times New Roman" panose="02020603050405020304" pitchFamily="18" charset="0"/>
                 <a:cs typeface="Times New Roman" panose="02020603050405020304" pitchFamily="18" charset="0"/>
               </a:rPr>
-              <a:t>All…All… … All…</a:t>
+              <a:t>All…All… </a:t>
+            </a:r>
+            <a:r>
+              <a:rPr lang="en-US" sz="5400" b="1" dirty="0" err="1">
+                <a:latin typeface="Times New Roman" panose="02020603050405020304" pitchFamily="18" charset="0"/>
+                <a:cs typeface="Times New Roman" panose="02020603050405020304" pitchFamily="18" charset="0"/>
+              </a:rPr>
+              <a:t>Kính</a:t>
+            </a:r>
+            <a:r>
+              <a:rPr lang="en-US" sz="5400" b="1" dirty="0">
+                <a:latin typeface="Times New Roman" panose="02020603050405020304" pitchFamily="18" charset="0"/>
+                <a:cs typeface="Times New Roman" panose="02020603050405020304" pitchFamily="18" charset="0"/>
+              </a:rPr>
+              <a:t> </a:t>
+            </a:r>
+            <a:r>
+              <a:rPr lang="en-US" sz="5400" b="1" dirty="0" err="1">
+                <a:latin typeface="Times New Roman" panose="02020603050405020304" pitchFamily="18" charset="0"/>
+                <a:cs typeface="Times New Roman" panose="02020603050405020304" pitchFamily="18" charset="0"/>
+              </a:rPr>
+              <a:t>chào</a:t>
+            </a:r>
+            <a:r>
+              <a:rPr lang="en-US" sz="5400" b="1" dirty="0">
+                <a:latin typeface="Times New Roman" panose="02020603050405020304" pitchFamily="18" charset="0"/>
+                <a:cs typeface="Times New Roman" panose="02020603050405020304" pitchFamily="18" charset="0"/>
+              </a:rPr>
+              <a:t> Maria </a:t>
+            </a:r>
+            <a:r>
+              <a:rPr lang="en-US" sz="5400" b="1" dirty="0" err="1">
+                <a:latin typeface="Times New Roman" panose="02020603050405020304" pitchFamily="18" charset="0"/>
+                <a:cs typeface="Times New Roman" panose="02020603050405020304" pitchFamily="18" charset="0"/>
+              </a:rPr>
+              <a:t>đầy</a:t>
+            </a:r>
+            <a:r>
+              <a:rPr lang="en-US" sz="5400" b="1" dirty="0">
+                <a:latin typeface="Times New Roman" panose="02020603050405020304" pitchFamily="18" charset="0"/>
+                <a:cs typeface="Times New Roman" panose="02020603050405020304" pitchFamily="18" charset="0"/>
+              </a:rPr>
+              <a:t> </a:t>
+            </a:r>
+            <a:r>
+              <a:rPr lang="en-US" sz="5400" b="1" dirty="0" err="1">
+                <a:latin typeface="Times New Roman" panose="02020603050405020304" pitchFamily="18" charset="0"/>
+                <a:cs typeface="Times New Roman" panose="02020603050405020304" pitchFamily="18" charset="0"/>
+              </a:rPr>
+              <a:t>ơn</a:t>
+            </a:r>
+            <a:r>
+              <a:rPr lang="en-US" sz="5400" b="1" dirty="0">
+                <a:latin typeface="Times New Roman" panose="02020603050405020304" pitchFamily="18" charset="0"/>
+                <a:cs typeface="Times New Roman" panose="02020603050405020304" pitchFamily="18" charset="0"/>
+              </a:rPr>
+              <a:t> </a:t>
+            </a:r>
+            <a:r>
+              <a:rPr lang="en-US" sz="5400" b="1" dirty="0" err="1">
+                <a:latin typeface="Times New Roman" panose="02020603050405020304" pitchFamily="18" charset="0"/>
+                <a:cs typeface="Times New Roman" panose="02020603050405020304" pitchFamily="18" charset="0"/>
+              </a:rPr>
+              <a:t>Phước</a:t>
+            </a:r>
+            <a:r>
+              <a:rPr lang="en-US" sz="5400" b="1" dirty="0">
+                <a:latin typeface="Times New Roman" panose="02020603050405020304" pitchFamily="18" charset="0"/>
+                <a:cs typeface="Times New Roman" panose="02020603050405020304" pitchFamily="18" charset="0"/>
+              </a:rPr>
+              <a:t>, </a:t>
+            </a:r>
+            <a:r>
+              <a:rPr lang="en-US" sz="5400" b="1" dirty="0" err="1">
+                <a:latin typeface="Times New Roman" panose="02020603050405020304" pitchFamily="18" charset="0"/>
+                <a:cs typeface="Times New Roman" panose="02020603050405020304" pitchFamily="18" charset="0"/>
+              </a:rPr>
+              <a:t>Thiên</a:t>
+            </a:r>
+            <a:r>
+              <a:rPr lang="en-US" sz="5400" b="1" dirty="0">
+                <a:latin typeface="Times New Roman" panose="02020603050405020304" pitchFamily="18" charset="0"/>
+                <a:cs typeface="Times New Roman" panose="02020603050405020304" pitchFamily="18" charset="0"/>
+              </a:rPr>
+              <a:t> </a:t>
+            </a:r>
+            <a:r>
+              <a:rPr lang="en-US" sz="5400" b="1" dirty="0" err="1">
+                <a:latin typeface="Times New Roman" panose="02020603050405020304" pitchFamily="18" charset="0"/>
+                <a:cs typeface="Times New Roman" panose="02020603050405020304" pitchFamily="18" charset="0"/>
+              </a:rPr>
+              <a:t>Chúa</a:t>
+            </a:r>
+            <a:r>
+              <a:rPr lang="en-US" sz="5400" b="1" dirty="0">
+                <a:latin typeface="Times New Roman" panose="02020603050405020304" pitchFamily="18" charset="0"/>
+                <a:cs typeface="Times New Roman" panose="02020603050405020304" pitchFamily="18" charset="0"/>
+              </a:rPr>
+              <a:t> ở </a:t>
+            </a:r>
+            <a:r>
+              <a:rPr lang="en-US" sz="5400" b="1" dirty="0" err="1">
+                <a:latin typeface="Times New Roman" panose="02020603050405020304" pitchFamily="18" charset="0"/>
+                <a:cs typeface="Times New Roman" panose="02020603050405020304" pitchFamily="18" charset="0"/>
+              </a:rPr>
+              <a:t>cùng</a:t>
+            </a:r>
+            <a:r>
+              <a:rPr lang="en-US" sz="5400" b="1" dirty="0">
+                <a:latin typeface="Times New Roman" panose="02020603050405020304" pitchFamily="18" charset="0"/>
+                <a:cs typeface="Times New Roman" panose="02020603050405020304" pitchFamily="18" charset="0"/>
+              </a:rPr>
+              <a:t> Trinh </a:t>
+            </a:r>
+            <a:r>
+              <a:rPr lang="en-US" sz="5400" b="1" dirty="0" err="1">
+                <a:latin typeface="Times New Roman" panose="02020603050405020304" pitchFamily="18" charset="0"/>
+                <a:cs typeface="Times New Roman" panose="02020603050405020304" pitchFamily="18" charset="0"/>
+              </a:rPr>
+              <a:t>Nữ</a:t>
+            </a:r>
+            <a:r>
+              <a:rPr lang="en-US" sz="5400" b="1" dirty="0">
+                <a:latin typeface="Times New Roman" panose="02020603050405020304" pitchFamily="18" charset="0"/>
+                <a:cs typeface="Times New Roman" panose="02020603050405020304" pitchFamily="18" charset="0"/>
+              </a:rPr>
+              <a:t>, Trinh </a:t>
+            </a:r>
+            <a:r>
+              <a:rPr lang="en-US" sz="5400" b="1" dirty="0" err="1">
+                <a:latin typeface="Times New Roman" panose="02020603050405020304" pitchFamily="18" charset="0"/>
+                <a:cs typeface="Times New Roman" panose="02020603050405020304" pitchFamily="18" charset="0"/>
+              </a:rPr>
+              <a:t>Nữ</a:t>
+            </a:r>
+            <a:r>
+              <a:rPr lang="en-US" sz="5400" b="1" dirty="0">
+                <a:latin typeface="Times New Roman" panose="02020603050405020304" pitchFamily="18" charset="0"/>
+                <a:cs typeface="Times New Roman" panose="02020603050405020304" pitchFamily="18" charset="0"/>
+              </a:rPr>
+              <a:t> </a:t>
+            </a:r>
+            <a:r>
+              <a:rPr lang="en-US" sz="5400" b="1" dirty="0" err="1">
+                <a:latin typeface="Times New Roman" panose="02020603050405020304" pitchFamily="18" charset="0"/>
+                <a:cs typeface="Times New Roman" panose="02020603050405020304" pitchFamily="18" charset="0"/>
+              </a:rPr>
+              <a:t>được</a:t>
+            </a:r>
+            <a:r>
+              <a:rPr lang="en-US" sz="5400" b="1" dirty="0">
+                <a:latin typeface="Times New Roman" panose="02020603050405020304" pitchFamily="18" charset="0"/>
+                <a:cs typeface="Times New Roman" panose="02020603050405020304" pitchFamily="18" charset="0"/>
+              </a:rPr>
+              <a:t> </a:t>
+            </a:r>
+            <a:r>
+              <a:rPr lang="en-US" sz="5400" b="1" dirty="0" err="1">
+                <a:latin typeface="Times New Roman" panose="02020603050405020304" pitchFamily="18" charset="0"/>
+                <a:cs typeface="Times New Roman" panose="02020603050405020304" pitchFamily="18" charset="0"/>
+              </a:rPr>
+              <a:t>chúc</a:t>
+            </a:r>
+            <a:r>
+              <a:rPr lang="en-US" sz="5400" b="1" dirty="0">
+                <a:latin typeface="Times New Roman" panose="02020603050405020304" pitchFamily="18" charset="0"/>
+                <a:cs typeface="Times New Roman" panose="02020603050405020304" pitchFamily="18" charset="0"/>
+              </a:rPr>
+              <a:t> </a:t>
+            </a:r>
+            <a:r>
+              <a:rPr lang="en-US" sz="5400" b="1" dirty="0" err="1">
+                <a:latin typeface="Times New Roman" panose="02020603050405020304" pitchFamily="18" charset="0"/>
+                <a:cs typeface="Times New Roman" panose="02020603050405020304" pitchFamily="18" charset="0"/>
+              </a:rPr>
+              <a:t>phúc</a:t>
+            </a:r>
+            <a:r>
+              <a:rPr lang="en-US" sz="5400" b="1" dirty="0">
+                <a:latin typeface="Times New Roman" panose="02020603050405020304" pitchFamily="18" charset="0"/>
+                <a:cs typeface="Times New Roman" panose="02020603050405020304" pitchFamily="18" charset="0"/>
+              </a:rPr>
+              <a:t> </a:t>
+            </a:r>
+            <a:r>
+              <a:rPr lang="en-US" sz="5400" b="1" dirty="0" err="1">
+                <a:latin typeface="Times New Roman" panose="02020603050405020304" pitchFamily="18" charset="0"/>
+                <a:cs typeface="Times New Roman" panose="02020603050405020304" pitchFamily="18" charset="0"/>
+              </a:rPr>
+              <a:t>giữa</a:t>
+            </a:r>
+            <a:r>
+              <a:rPr lang="en-US" sz="5400" b="1" dirty="0">
+                <a:latin typeface="Times New Roman" panose="02020603050405020304" pitchFamily="18" charset="0"/>
+                <a:cs typeface="Times New Roman" panose="02020603050405020304" pitchFamily="18" charset="0"/>
+              </a:rPr>
+              <a:t> </a:t>
+            </a:r>
+            <a:r>
+              <a:rPr lang="en-US" sz="5400" b="1" dirty="0" err="1">
+                <a:latin typeface="Times New Roman" panose="02020603050405020304" pitchFamily="18" charset="0"/>
+                <a:cs typeface="Times New Roman" panose="02020603050405020304" pitchFamily="18" charset="0"/>
+              </a:rPr>
+              <a:t>các</a:t>
+            </a:r>
+            <a:r>
+              <a:rPr lang="en-US" sz="5400" b="1" dirty="0">
+                <a:latin typeface="Times New Roman" panose="02020603050405020304" pitchFamily="18" charset="0"/>
+                <a:cs typeface="Times New Roman" panose="02020603050405020304" pitchFamily="18" charset="0"/>
+              </a:rPr>
+              <a:t> </a:t>
+            </a:r>
+            <a:r>
+              <a:rPr lang="en-US" sz="5400" b="1" dirty="0" err="1">
+                <a:latin typeface="Times New Roman" panose="02020603050405020304" pitchFamily="18" charset="0"/>
+                <a:cs typeface="Times New Roman" panose="02020603050405020304" pitchFamily="18" charset="0"/>
+              </a:rPr>
+              <a:t>người</a:t>
+            </a:r>
+            <a:r>
+              <a:rPr lang="en-US" sz="5400" b="1" dirty="0">
+                <a:latin typeface="Times New Roman" panose="02020603050405020304" pitchFamily="18" charset="0"/>
+                <a:cs typeface="Times New Roman" panose="02020603050405020304" pitchFamily="18" charset="0"/>
+              </a:rPr>
+              <a:t> </a:t>
+            </a:r>
+            <a:r>
+              <a:rPr lang="en-US" sz="5400" b="1" dirty="0" err="1">
+                <a:latin typeface="Times New Roman" panose="02020603050405020304" pitchFamily="18" charset="0"/>
+                <a:cs typeface="Times New Roman" panose="02020603050405020304" pitchFamily="18" charset="0"/>
+              </a:rPr>
+              <a:t>phụ</a:t>
+            </a:r>
+            <a:r>
+              <a:rPr lang="en-US" sz="5400" b="1" dirty="0">
+                <a:latin typeface="Times New Roman" panose="02020603050405020304" pitchFamily="18" charset="0"/>
+                <a:cs typeface="Times New Roman" panose="02020603050405020304" pitchFamily="18" charset="0"/>
+              </a:rPr>
+              <a:t> </a:t>
+            </a:r>
+            <a:r>
+              <a:rPr lang="en-US" sz="5400" b="1" dirty="0" err="1">
+                <a:latin typeface="Times New Roman" panose="02020603050405020304" pitchFamily="18" charset="0"/>
+                <a:cs typeface="Times New Roman" panose="02020603050405020304" pitchFamily="18" charset="0"/>
+              </a:rPr>
+              <a:t>nữ</a:t>
+            </a:r>
+            <a:r>
+              <a:rPr lang="en-US" sz="5400" b="1" dirty="0">
+                <a:latin typeface="Times New Roman" panose="02020603050405020304" pitchFamily="18" charset="0"/>
+                <a:cs typeface="Times New Roman" panose="02020603050405020304" pitchFamily="18" charset="0"/>
+              </a:rPr>
+              <a:t>. All…</a:t>
             </a:r>
             <a:endParaRPr lang="vi-VN" sz="5400" b="1" dirty="0">
               <a:latin typeface="Times New Roman" panose="02020603050405020304" pitchFamily="18" charset="0"/>
@@ -4519,6 +4792,13 @@
     <a:masterClrMapping/>
   </p:clrMapOvr>
   <p:transition/>
+  <p:timing>
+    <p:tnLst>
+      <p:par>
+        <p:cTn id="1" dur="indefinite" restart="never" nodeType="tmRoot"/>
+      </p:par>
+    </p:tnLst>
+  </p:timing>
 </p:sld>
 </file>
 
@@ -4681,6 +4961,13 @@
     <a:masterClrMapping/>
   </p:clrMapOvr>
   <p:transition/>
+  <p:timing>
+    <p:tnLst>
+      <p:par>
+        <p:cTn id="1" dur="indefinite" restart="never" nodeType="tmRoot"/>
+      </p:par>
+    </p:tnLst>
+  </p:timing>
 </p:sld>
 </file>
 
@@ -4843,6 +5130,13 @@
     <a:masterClrMapping/>
   </p:clrMapOvr>
   <p:transition/>
+  <p:timing>
+    <p:tnLst>
+      <p:par>
+        <p:cTn id="1" dur="indefinite" restart="never" nodeType="tmRoot"/>
+      </p:par>
+    </p:tnLst>
+  </p:timing>
 </p:sld>
 </file>
 
@@ -5206,11 +5500,25 @@
               <a:t>tim</a:t>
             </a:r>
             <a:r>
-              <a:rPr lang="en-US" sz="5400" b="1" dirty="0">
-                <a:latin typeface="Times New Roman" panose="02020603050405020304" pitchFamily="18" charset="0"/>
-                <a:cs typeface="Times New Roman" panose="02020603050405020304" pitchFamily="18" charset="0"/>
-              </a:rPr>
-              <a:t>, long con </a:t>
+              <a:rPr lang="en-US" sz="5400" b="1">
+                <a:latin typeface="Times New Roman" panose="02020603050405020304" pitchFamily="18" charset="0"/>
+                <a:cs typeface="Times New Roman" panose="02020603050405020304" pitchFamily="18" charset="0"/>
+              </a:rPr>
+              <a:t>, </a:t>
+            </a:r>
+            <a:r>
+              <a:rPr lang="en-US" sz="5400" b="1" smtClean="0">
+                <a:latin typeface="Times New Roman" panose="02020603050405020304" pitchFamily="18" charset="0"/>
+                <a:cs typeface="Times New Roman" panose="02020603050405020304" pitchFamily="18" charset="0"/>
+              </a:rPr>
+              <a:t>lòng </a:t>
+            </a:r>
+            <a:r>
+              <a:rPr lang="en-US" sz="5400" b="1" dirty="0">
+                <a:latin typeface="Times New Roman" panose="02020603050405020304" pitchFamily="18" charset="0"/>
+                <a:cs typeface="Times New Roman" panose="02020603050405020304" pitchFamily="18" charset="0"/>
+              </a:rPr>
+              <a:t>con </a:t>
             </a:r>
             <a:r>
               <a:rPr lang="en-US" sz="5400" b="1" dirty="0" err="1">
@@ -5300,6 +5608,13 @@
     <a:masterClrMapping/>
   </p:clrMapOvr>
   <p:transition/>
+  <p:timing>
+    <p:tnLst>
+      <p:par>
+        <p:cTn id="1" dur="indefinite" restart="never" nodeType="tmRoot"/>
+      </p:par>
+    </p:tnLst>
+  </p:timing>
 </p:sld>
 </file>
 
@@ -5462,6 +5777,13 @@
     <a:masterClrMapping/>
   </p:clrMapOvr>
   <p:transition/>
+  <p:timing>
+    <p:tnLst>
+      <p:par>
+        <p:cTn id="1" dur="indefinite" restart="never" nodeType="tmRoot"/>
+      </p:par>
+    </p:tnLst>
+  </p:timing>
 </p:sld>
 </file>
 
@@ -5624,6 +5946,13 @@
     <a:masterClrMapping/>
   </p:clrMapOvr>
   <p:transition/>
+  <p:timing>
+    <p:tnLst>
+      <p:par>
+        <p:cTn id="1" dur="indefinite" restart="never" nodeType="tmRoot"/>
+      </p:par>
+    </p:tnLst>
+  </p:timing>
 </p:sld>
 </file>
 
@@ -5649,7 +5978,7 @@
           <p:cNvPr id="2" name="Title 1">
             <a:extLst>
               <a:ext uri="{FF2B5EF4-FFF2-40B4-BE49-F238E27FC236}">
-                <a16:creationId xmlns:a16="http://schemas.microsoft.com/office/drawing/2014/main" id="{4A836128-4A05-40B8-BBED-8B4157398241}"/>
+                <a16:creationId xmlns="" xmlns:a16="http://schemas.microsoft.com/office/drawing/2014/main" id="{4A836128-4A05-40B8-BBED-8B4157398241}"/>
               </a:ext>
             </a:extLst>
           </p:cNvPr>
@@ -5727,7 +6056,7 @@
           <p:cNvPr id="3" name="Content Placeholder 2">
             <a:extLst>
               <a:ext uri="{FF2B5EF4-FFF2-40B4-BE49-F238E27FC236}">
-                <a16:creationId xmlns:a16="http://schemas.microsoft.com/office/drawing/2014/main" id="{19C51F5D-34DD-43C2-95A7-3D04A4BAD8AB}"/>
+                <a16:creationId xmlns="" xmlns:a16="http://schemas.microsoft.com/office/drawing/2014/main" id="{19C51F5D-34DD-43C2-95A7-3D04A4BAD8AB}"/>
               </a:ext>
             </a:extLst>
           </p:cNvPr>
@@ -5754,12 +6083,247 @@
               <a:buNone/>
             </a:pPr>
             <a:r>
-              <a:rPr lang="en-US" sz="5400" b="1" dirty="0">
-                <a:latin typeface="Times New Roman" panose="02020603050405020304" pitchFamily="18" charset="0"/>
-                <a:cs typeface="Times New Roman" panose="02020603050405020304" pitchFamily="18" charset="0"/>
-              </a:rPr>
-              <a:t>…</a:t>
-            </a:r>
+              <a:rPr lang="en-US" sz="5400" b="1" dirty="0" err="1">
+                <a:latin typeface="Times New Roman" panose="02020603050405020304" pitchFamily="18" charset="0"/>
+                <a:cs typeface="Times New Roman" panose="02020603050405020304" pitchFamily="18" charset="0"/>
+              </a:rPr>
+              <a:t>Đấng</a:t>
+            </a:r>
+            <a:r>
+              <a:rPr lang="en-US" sz="5400" b="1" dirty="0">
+                <a:latin typeface="Times New Roman" panose="02020603050405020304" pitchFamily="18" charset="0"/>
+                <a:cs typeface="Times New Roman" panose="02020603050405020304" pitchFamily="18" charset="0"/>
+              </a:rPr>
+              <a:t> </a:t>
+            </a:r>
+            <a:r>
+              <a:rPr lang="en-US" sz="5400" b="1" dirty="0" err="1">
+                <a:latin typeface="Times New Roman" panose="02020603050405020304" pitchFamily="18" charset="0"/>
+                <a:cs typeface="Times New Roman" panose="02020603050405020304" pitchFamily="18" charset="0"/>
+              </a:rPr>
+              <a:t>đã</a:t>
+            </a:r>
+            <a:r>
+              <a:rPr lang="en-US" sz="5400" b="1" dirty="0">
+                <a:latin typeface="Times New Roman" panose="02020603050405020304" pitchFamily="18" charset="0"/>
+                <a:cs typeface="Times New Roman" panose="02020603050405020304" pitchFamily="18" charset="0"/>
+              </a:rPr>
+              <a:t> </a:t>
+            </a:r>
+            <a:r>
+              <a:rPr lang="en-US" sz="5400" b="1" dirty="0" err="1">
+                <a:latin typeface="Times New Roman" panose="02020603050405020304" pitchFamily="18" charset="0"/>
+                <a:cs typeface="Times New Roman" panose="02020603050405020304" pitchFamily="18" charset="0"/>
+              </a:rPr>
+              <a:t>làm</a:t>
+            </a:r>
+            <a:r>
+              <a:rPr lang="en-US" sz="5400" b="1" dirty="0">
+                <a:latin typeface="Times New Roman" panose="02020603050405020304" pitchFamily="18" charset="0"/>
+                <a:cs typeface="Times New Roman" panose="02020603050405020304" pitchFamily="18" charset="0"/>
+              </a:rPr>
+              <a:t> </a:t>
+            </a:r>
+            <a:r>
+              <a:rPr lang="en-US" sz="5400" b="1" dirty="0" err="1">
+                <a:latin typeface="Times New Roman" panose="02020603050405020304" pitchFamily="18" charset="0"/>
+                <a:cs typeface="Times New Roman" panose="02020603050405020304" pitchFamily="18" charset="0"/>
+              </a:rPr>
+              <a:t>cho</a:t>
+            </a:r>
+            <a:r>
+              <a:rPr lang="en-US" sz="5400" b="1" dirty="0">
+                <a:latin typeface="Times New Roman" panose="02020603050405020304" pitchFamily="18" charset="0"/>
+                <a:cs typeface="Times New Roman" panose="02020603050405020304" pitchFamily="18" charset="0"/>
+              </a:rPr>
+              <a:t> </a:t>
+            </a:r>
+            <a:r>
+              <a:rPr lang="en-US" sz="5400" b="1" dirty="0" err="1">
+                <a:latin typeface="Times New Roman" panose="02020603050405020304" pitchFamily="18" charset="0"/>
+                <a:cs typeface="Times New Roman" panose="02020603050405020304" pitchFamily="18" charset="0"/>
+              </a:rPr>
+              <a:t>tôi</a:t>
+            </a:r>
+            <a:r>
+              <a:rPr lang="en-US" sz="5400" b="1" dirty="0">
+                <a:latin typeface="Times New Roman" panose="02020603050405020304" pitchFamily="18" charset="0"/>
+                <a:cs typeface="Times New Roman" panose="02020603050405020304" pitchFamily="18" charset="0"/>
+              </a:rPr>
+              <a:t> </a:t>
+            </a:r>
+            <a:r>
+              <a:rPr lang="en-US" sz="5400" b="1" dirty="0" err="1">
+                <a:latin typeface="Times New Roman" panose="02020603050405020304" pitchFamily="18" charset="0"/>
+                <a:cs typeface="Times New Roman" panose="02020603050405020304" pitchFamily="18" charset="0"/>
+              </a:rPr>
+              <a:t>những</a:t>
+            </a:r>
+            <a:r>
+              <a:rPr lang="en-US" sz="5400" b="1" dirty="0">
+                <a:latin typeface="Times New Roman" panose="02020603050405020304" pitchFamily="18" charset="0"/>
+                <a:cs typeface="Times New Roman" panose="02020603050405020304" pitchFamily="18" charset="0"/>
+              </a:rPr>
+              <a:t> </a:t>
+            </a:r>
+            <a:r>
+              <a:rPr lang="en-US" sz="5400" b="1" dirty="0" err="1">
+                <a:latin typeface="Times New Roman" panose="02020603050405020304" pitchFamily="18" charset="0"/>
+                <a:cs typeface="Times New Roman" panose="02020603050405020304" pitchFamily="18" charset="0"/>
+              </a:rPr>
+              <a:t>điều</a:t>
+            </a:r>
+            <a:r>
+              <a:rPr lang="en-US" sz="5400" b="1" dirty="0">
+                <a:latin typeface="Times New Roman" panose="02020603050405020304" pitchFamily="18" charset="0"/>
+                <a:cs typeface="Times New Roman" panose="02020603050405020304" pitchFamily="18" charset="0"/>
+              </a:rPr>
+              <a:t> </a:t>
+            </a:r>
+            <a:r>
+              <a:rPr lang="en-US" sz="5400" b="1" dirty="0" err="1">
+                <a:latin typeface="Times New Roman" panose="02020603050405020304" pitchFamily="18" charset="0"/>
+                <a:cs typeface="Times New Roman" panose="02020603050405020304" pitchFamily="18" charset="0"/>
+              </a:rPr>
+              <a:t>trọng</a:t>
+            </a:r>
+            <a:r>
+              <a:rPr lang="en-US" sz="5400" b="1" dirty="0">
+                <a:latin typeface="Times New Roman" panose="02020603050405020304" pitchFamily="18" charset="0"/>
+                <a:cs typeface="Times New Roman" panose="02020603050405020304" pitchFamily="18" charset="0"/>
+              </a:rPr>
+              <a:t> </a:t>
+            </a:r>
+            <a:r>
+              <a:rPr lang="en-US" sz="5400" b="1" dirty="0" err="1">
+                <a:latin typeface="Times New Roman" panose="02020603050405020304" pitchFamily="18" charset="0"/>
+                <a:cs typeface="Times New Roman" panose="02020603050405020304" pitchFamily="18" charset="0"/>
+              </a:rPr>
+              <a:t>đại</a:t>
+            </a:r>
+            <a:r>
+              <a:rPr lang="en-US" sz="5400" b="1" dirty="0">
+                <a:latin typeface="Times New Roman" panose="02020603050405020304" pitchFamily="18" charset="0"/>
+                <a:cs typeface="Times New Roman" panose="02020603050405020304" pitchFamily="18" charset="0"/>
+              </a:rPr>
+              <a:t>, </a:t>
+            </a:r>
+            <a:r>
+              <a:rPr lang="en-US" sz="5400" b="1" dirty="0" err="1">
+                <a:latin typeface="Times New Roman" panose="02020603050405020304" pitchFamily="18" charset="0"/>
+                <a:cs typeface="Times New Roman" panose="02020603050405020304" pitchFamily="18" charset="0"/>
+              </a:rPr>
+              <a:t>Người</a:t>
+            </a:r>
+            <a:r>
+              <a:rPr lang="en-US" sz="5400" b="1" dirty="0">
+                <a:latin typeface="Times New Roman" panose="02020603050405020304" pitchFamily="18" charset="0"/>
+                <a:cs typeface="Times New Roman" panose="02020603050405020304" pitchFamily="18" charset="0"/>
+              </a:rPr>
+              <a:t> </a:t>
+            </a:r>
+            <a:r>
+              <a:rPr lang="en-US" sz="5400" b="1" dirty="0" err="1">
+                <a:latin typeface="Times New Roman" panose="02020603050405020304" pitchFamily="18" charset="0"/>
+                <a:cs typeface="Times New Roman" panose="02020603050405020304" pitchFamily="18" charset="0"/>
+              </a:rPr>
+              <a:t>quyền</a:t>
+            </a:r>
+            <a:r>
+              <a:rPr lang="en-US" sz="5400" b="1" dirty="0">
+                <a:latin typeface="Times New Roman" panose="02020603050405020304" pitchFamily="18" charset="0"/>
+                <a:cs typeface="Times New Roman" panose="02020603050405020304" pitchFamily="18" charset="0"/>
+              </a:rPr>
+              <a:t> </a:t>
+            </a:r>
+            <a:r>
+              <a:rPr lang="en-US" sz="5400" b="1" dirty="0" err="1">
+                <a:latin typeface="Times New Roman" panose="02020603050405020304" pitchFamily="18" charset="0"/>
+                <a:cs typeface="Times New Roman" panose="02020603050405020304" pitchFamily="18" charset="0"/>
+              </a:rPr>
+              <a:t>năng</a:t>
+            </a:r>
+            <a:r>
+              <a:rPr lang="en-US" sz="5400" b="1" dirty="0">
+                <a:latin typeface="Times New Roman" panose="02020603050405020304" pitchFamily="18" charset="0"/>
+                <a:cs typeface="Times New Roman" panose="02020603050405020304" pitchFamily="18" charset="0"/>
+              </a:rPr>
+              <a:t> </a:t>
+            </a:r>
+            <a:r>
+              <a:rPr lang="en-US" sz="5400" b="1" dirty="0" err="1">
+                <a:latin typeface="Times New Roman" panose="02020603050405020304" pitchFamily="18" charset="0"/>
+                <a:cs typeface="Times New Roman" panose="02020603050405020304" pitchFamily="18" charset="0"/>
+              </a:rPr>
+              <a:t>và</a:t>
+            </a:r>
+            <a:r>
+              <a:rPr lang="en-US" sz="5400" b="1" dirty="0">
+                <a:latin typeface="Times New Roman" panose="02020603050405020304" pitchFamily="18" charset="0"/>
+                <a:cs typeface="Times New Roman" panose="02020603050405020304" pitchFamily="18" charset="0"/>
+              </a:rPr>
+              <a:t> </a:t>
+            </a:r>
+            <a:r>
+              <a:rPr lang="en-US" sz="5400" b="1" dirty="0" err="1">
+                <a:latin typeface="Times New Roman" panose="02020603050405020304" pitchFamily="18" charset="0"/>
+                <a:cs typeface="Times New Roman" panose="02020603050405020304" pitchFamily="18" charset="0"/>
+              </a:rPr>
+              <a:t>danh</a:t>
+            </a:r>
+            <a:r>
+              <a:rPr lang="en-US" sz="5400" b="1" dirty="0">
+                <a:latin typeface="Times New Roman" panose="02020603050405020304" pitchFamily="18" charset="0"/>
+                <a:cs typeface="Times New Roman" panose="02020603050405020304" pitchFamily="18" charset="0"/>
+              </a:rPr>
+              <a:t> </a:t>
+            </a:r>
+            <a:r>
+              <a:rPr lang="en-US" sz="5400" b="1" dirty="0" err="1">
+                <a:latin typeface="Times New Roman" panose="02020603050405020304" pitchFamily="18" charset="0"/>
+                <a:cs typeface="Times New Roman" panose="02020603050405020304" pitchFamily="18" charset="0"/>
+              </a:rPr>
+              <a:t>Người</a:t>
+            </a:r>
+            <a:r>
+              <a:rPr lang="en-US" sz="5400" b="1" dirty="0">
+                <a:latin typeface="Times New Roman" panose="02020603050405020304" pitchFamily="18" charset="0"/>
+                <a:cs typeface="Times New Roman" panose="02020603050405020304" pitchFamily="18" charset="0"/>
+              </a:rPr>
+              <a:t> </a:t>
+            </a:r>
+            <a:r>
+              <a:rPr lang="en-US" sz="5400" b="1" dirty="0" err="1">
+                <a:latin typeface="Times New Roman" panose="02020603050405020304" pitchFamily="18" charset="0"/>
+                <a:cs typeface="Times New Roman" panose="02020603050405020304" pitchFamily="18" charset="0"/>
+              </a:rPr>
+              <a:t>là</a:t>
+            </a:r>
+            <a:r>
+              <a:rPr lang="en-US" sz="5400" b="1" dirty="0">
+                <a:latin typeface="Times New Roman" panose="02020603050405020304" pitchFamily="18" charset="0"/>
+                <a:cs typeface="Times New Roman" panose="02020603050405020304" pitchFamily="18" charset="0"/>
+              </a:rPr>
+              <a:t> </a:t>
+            </a:r>
+            <a:r>
+              <a:rPr lang="en-US" sz="5400" b="1" dirty="0" err="1">
+                <a:latin typeface="Times New Roman" panose="02020603050405020304" pitchFamily="18" charset="0"/>
+                <a:cs typeface="Times New Roman" panose="02020603050405020304" pitchFamily="18" charset="0"/>
+              </a:rPr>
+              <a:t>Thánh</a:t>
+            </a:r>
+            <a:r>
+              <a:rPr lang="en-US" sz="5400" b="1">
+                <a:latin typeface="Times New Roman" panose="02020603050405020304" pitchFamily="18" charset="0"/>
+                <a:cs typeface="Times New Roman" panose="02020603050405020304" pitchFamily="18" charset="0"/>
+              </a:rPr>
+              <a:t>.</a:t>
+            </a:r>
+            <a:endParaRPr lang="en-US" sz="5400" b="1" dirty="0">
+              <a:latin typeface="Times New Roman" panose="02020603050405020304" pitchFamily="18" charset="0"/>
+              <a:cs typeface="Times New Roman" panose="02020603050405020304" pitchFamily="18" charset="0"/>
+            </a:endParaRPr>
           </a:p>
         </p:txBody>
       </p:sp>
@@ -5773,6 +6337,13 @@
   <p:clrMapOvr>
     <a:masterClrMapping/>
   </p:clrMapOvr>
+  <p:timing>
+    <p:tnLst>
+      <p:par>
+        <p:cTn id="1" dur="indefinite" restart="never" nodeType="tmRoot"/>
+      </p:par>
+    </p:tnLst>
+  </p:timing>
 </p:sld>
 </file>
 
@@ -5969,6 +6540,13 @@
     <a:masterClrMapping/>
   </p:clrMapOvr>
   <p:transition/>
+  <p:timing>
+    <p:tnLst>
+      <p:par>
+        <p:cTn id="1" dur="indefinite" restart="never" nodeType="tmRoot"/>
+      </p:par>
+    </p:tnLst>
+  </p:timing>
 </p:sld>
 </file>
 
@@ -6087,6 +6665,13 @@
     <a:masterClrMapping/>
   </p:clrMapOvr>
   <p:transition/>
+  <p:timing>
+    <p:tnLst>
+      <p:par>
+        <p:cTn id="1" dur="indefinite" restart="never" nodeType="tmRoot"/>
+      </p:par>
+    </p:tnLst>
+  </p:timing>
 </p:sld>
 </file>
 
@@ -6271,6 +6856,13 @@
     <a:masterClrMapping/>
   </p:clrMapOvr>
   <p:transition/>
+  <p:timing>
+    <p:tnLst>
+      <p:par>
+        <p:cTn id="1" dur="indefinite" restart="never" nodeType="tmRoot"/>
+      </p:par>
+    </p:tnLst>
+  </p:timing>
 </p:sld>
 </file>
 
@@ -6487,6 +7079,13 @@
     <a:masterClrMapping/>
   </p:clrMapOvr>
   <p:transition/>
+  <p:timing>
+    <p:tnLst>
+      <p:par>
+        <p:cTn id="1" dur="indefinite" restart="never" nodeType="tmRoot"/>
+      </p:par>
+    </p:tnLst>
+  </p:timing>
 </p:sld>
 </file>
 
@@ -6689,6 +7288,13 @@
     <a:masterClrMapping/>
   </p:clrMapOvr>
   <p:transition/>
+  <p:timing>
+    <p:tnLst>
+      <p:par>
+        <p:cTn id="1" dur="indefinite" restart="never" nodeType="tmRoot"/>
+      </p:par>
+    </p:tnLst>
+  </p:timing>
 </p:sld>
 </file>
 
@@ -6885,6 +7491,13 @@
     <a:masterClrMapping/>
   </p:clrMapOvr>
   <p:transition/>
+  <p:timing>
+    <p:tnLst>
+      <p:par>
+        <p:cTn id="1" dur="indefinite" restart="never" nodeType="tmRoot"/>
+      </p:par>
+    </p:tnLst>
+  </p:timing>
 </p:sld>
 </file>
 
@@ -7069,6 +7682,13 @@
     <a:masterClrMapping/>
   </p:clrMapOvr>
   <p:transition/>
+  <p:timing>
+    <p:tnLst>
+      <p:par>
+        <p:cTn id="1" dur="indefinite" restart="never" nodeType="tmRoot"/>
+      </p:par>
+    </p:tnLst>
+  </p:timing>
 </p:sld>
 </file>
 
@@ -7285,6 +7905,13 @@
     <a:masterClrMapping/>
   </p:clrMapOvr>
   <p:transition/>
+  <p:timing>
+    <p:tnLst>
+      <p:par>
+        <p:cTn id="1" dur="indefinite" restart="never" nodeType="tmRoot"/>
+      </p:par>
+    </p:tnLst>
+  </p:timing>
 </p:sld>
 </file>
 
@@ -7487,6 +8114,13 @@
     <a:masterClrMapping/>
   </p:clrMapOvr>
   <p:transition/>
+  <p:timing>
+    <p:tnLst>
+      <p:par>
+        <p:cTn id="1" dur="indefinite" restart="never" nodeType="tmRoot"/>
+      </p:par>
+    </p:tnLst>
+  </p:timing>
 </p:sld>
 </file>
 
@@ -7671,6 +8305,13 @@
     <a:masterClrMapping/>
   </p:clrMapOvr>
   <p:transition/>
+  <p:timing>
+    <p:tnLst>
+      <p:par>
+        <p:cTn id="1" dur="indefinite" restart="never" nodeType="tmRoot"/>
+      </p:par>
+    </p:tnLst>
+  </p:timing>
 </p:sld>
 </file>
 
@@ -7855,6 +8496,13 @@
     <a:masterClrMapping/>
   </p:clrMapOvr>
   <p:transition/>
+  <p:timing>
+    <p:tnLst>
+      <p:par>
+        <p:cTn id="1" dur="indefinite" restart="never" nodeType="tmRoot"/>
+      </p:par>
+    </p:tnLst>
+  </p:timing>
 </p:sld>
 </file>
 
@@ -8071,6 +8719,13 @@
     <a:masterClrMapping/>
   </p:clrMapOvr>
   <p:transition/>
+  <p:timing>
+    <p:tnLst>
+      <p:par>
+        <p:cTn id="1" dur="indefinite" restart="never" nodeType="tmRoot"/>
+      </p:par>
+    </p:tnLst>
+  </p:timing>
 </p:sld>
 </file>
 
@@ -8189,6 +8844,13 @@
     <a:masterClrMapping/>
   </p:clrMapOvr>
   <p:transition/>
+  <p:timing>
+    <p:tnLst>
+      <p:par>
+        <p:cTn id="1" dur="indefinite" restart="never" nodeType="tmRoot"/>
+      </p:par>
+    </p:tnLst>
+  </p:timing>
 </p:sld>
 </file>
 
@@ -8391,6 +9053,13 @@
     <a:masterClrMapping/>
   </p:clrMapOvr>
   <p:transition/>
+  <p:timing>
+    <p:tnLst>
+      <p:par>
+        <p:cTn id="1" dur="indefinite" restart="never" nodeType="tmRoot"/>
+      </p:par>
+    </p:tnLst>
+  </p:timing>
 </p:sld>
 </file>
 
@@ -8416,7 +9085,7 @@
           <p:cNvPr id="2" name="Title 1">
             <a:extLst>
               <a:ext uri="{FF2B5EF4-FFF2-40B4-BE49-F238E27FC236}">
-                <a16:creationId xmlns:a16="http://schemas.microsoft.com/office/drawing/2014/main" id="{5B9A5D1C-79D1-4931-8D81-E0AFD56B6B93}"/>
+                <a16:creationId xmlns="" xmlns:a16="http://schemas.microsoft.com/office/drawing/2014/main" id="{5B9A5D1C-79D1-4931-8D81-E0AFD56B6B93}"/>
               </a:ext>
             </a:extLst>
           </p:cNvPr>
@@ -8441,7 +9110,7 @@
           <p:cNvPr id="3" name="Content Placeholder 2">
             <a:extLst>
               <a:ext uri="{FF2B5EF4-FFF2-40B4-BE49-F238E27FC236}">
-                <a16:creationId xmlns:a16="http://schemas.microsoft.com/office/drawing/2014/main" id="{5DA19DA7-4963-41F5-8C67-EF7D34B9A47B}"/>
+                <a16:creationId xmlns="" xmlns:a16="http://schemas.microsoft.com/office/drawing/2014/main" id="{5DA19DA7-4963-41F5-8C67-EF7D34B9A47B}"/>
               </a:ext>
             </a:extLst>
           </p:cNvPr>
@@ -8471,6 +9140,13 @@
   <p:clrMapOvr>
     <a:masterClrMapping/>
   </p:clrMapOvr>
+  <p:timing>
+    <p:tnLst>
+      <p:par>
+        <p:cTn id="1" dur="indefinite" restart="never" nodeType="tmRoot"/>
+      </p:par>
+    </p:tnLst>
+  </p:timing>
 </p:sld>
 </file>
 
@@ -9211,6 +9887,13 @@
     <a:masterClrMapping/>
   </p:clrMapOvr>
   <p:transition/>
+  <p:timing>
+    <p:tnLst>
+      <p:par>
+        <p:cTn id="1" dur="indefinite" restart="never" nodeType="tmRoot"/>
+      </p:par>
+    </p:tnLst>
+  </p:timing>
 </p:sld>
 </file>
 
@@ -9783,6 +10466,13 @@
     <a:masterClrMapping/>
   </p:clrMapOvr>
   <p:transition/>
+  <p:timing>
+    <p:tnLst>
+      <p:par>
+        <p:cTn id="1" dur="indefinite" restart="never" nodeType="tmRoot"/>
+      </p:par>
+    </p:tnLst>
+  </p:timing>
 </p:sld>
 </file>
 
@@ -9901,6 +10591,13 @@
     <a:masterClrMapping/>
   </p:clrMapOvr>
   <p:transition/>
+  <p:timing>
+    <p:tnLst>
+      <p:par>
+        <p:cTn id="1" dur="indefinite" restart="never" nodeType="tmRoot"/>
+      </p:par>
+    </p:tnLst>
+  </p:timing>
 </p:sld>
 </file>
 
@@ -10019,6 +10716,13 @@
     <a:masterClrMapping/>
   </p:clrMapOvr>
   <p:transition/>
+  <p:timing>
+    <p:tnLst>
+      <p:par>
+        <p:cTn id="1" dur="indefinite" restart="never" nodeType="tmRoot"/>
+      </p:par>
+    </p:tnLst>
+  </p:timing>
 </p:sld>
 </file>
 
@@ -10148,6 +10852,13 @@
     <a:masterClrMapping/>
   </p:clrMapOvr>
   <p:transition/>
+  <p:timing>
+    <p:tnLst>
+      <p:par>
+        <p:cTn id="1" dur="indefinite" restart="never" nodeType="tmRoot"/>
+      </p:par>
+    </p:tnLst>
+  </p:timing>
 </p:sld>
 </file>
 
@@ -10173,7 +10884,7 @@
           <p:cNvPr id="2" name="Title 1">
             <a:extLst>
               <a:ext uri="{FF2B5EF4-FFF2-40B4-BE49-F238E27FC236}">
-                <a16:creationId xmlns:a16="http://schemas.microsoft.com/office/drawing/2014/main" id="{36406D17-6BBA-4289-872B-3483843B6833}"/>
+                <a16:creationId xmlns="" xmlns:a16="http://schemas.microsoft.com/office/drawing/2014/main" id="{36406D17-6BBA-4289-872B-3483843B6833}"/>
               </a:ext>
             </a:extLst>
           </p:cNvPr>
@@ -10198,7 +10909,7 @@
           <p:cNvPr id="3" name="Content Placeholder 2">
             <a:extLst>
               <a:ext uri="{FF2B5EF4-FFF2-40B4-BE49-F238E27FC236}">
-                <a16:creationId xmlns:a16="http://schemas.microsoft.com/office/drawing/2014/main" id="{C1693604-3977-4881-B828-703F88560D67}"/>
+                <a16:creationId xmlns="" xmlns:a16="http://schemas.microsoft.com/office/drawing/2014/main" id="{C1693604-3977-4881-B828-703F88560D67}"/>
               </a:ext>
             </a:extLst>
           </p:cNvPr>
@@ -10228,6 +10939,13 @@
   <p:clrMapOvr>
     <a:masterClrMapping/>
   </p:clrMapOvr>
+  <p:timing>
+    <p:tnLst>
+      <p:par>
+        <p:cTn id="1" dur="indefinite" restart="never" nodeType="tmRoot"/>
+      </p:par>
+    </p:tnLst>
+  </p:timing>
 </p:sld>
 </file>
 
@@ -10810,6 +11528,13 @@
     <a:masterClrMapping/>
   </p:clrMapOvr>
   <p:transition/>
+  <p:timing>
+    <p:tnLst>
+      <p:par>
+        <p:cTn id="1" dur="indefinite" restart="never" nodeType="tmRoot"/>
+      </p:par>
+    </p:tnLst>
+  </p:timing>
 </p:sld>
 </file>
 
@@ -11292,6 +12017,13 @@
     <a:masterClrMapping/>
   </p:clrMapOvr>
   <p:transition/>
+  <p:timing>
+    <p:tnLst>
+      <p:par>
+        <p:cTn id="1" dur="indefinite" restart="never" nodeType="tmRoot"/>
+      </p:par>
+    </p:tnLst>
+  </p:timing>
 </p:sld>
 </file>
 
@@ -11300,7 +12032,7 @@
   <a:themeElements>
     <a:clrScheme name="Office Theme">
       <a:dk1>
-        <a:sysClr val="windowText" lastClr="000000"/>
+        <a:sysClr val="windowText" lastClr="1F1F1F"/>
       </a:dk1>
       <a:lt1>
         <a:sysClr val="window" lastClr="FFFFFF"/>
@@ -11550,7 +12282,7 @@
   <a:extraClrSchemeLst/>
   <a:extLst>
     <a:ext uri="{05A4C25C-085E-4340-85A3-A5531E510DB2}">
-      <thm15:themeFamily xmlns:thm15="http://schemas.microsoft.com/office/thememl/2012/main" name="Office Theme" id="{62F939B6-93AF-4DB8-9C6B-D6C7DFDC589F}" vid="{4A3C46E8-61CC-4603-A589-7422A47A8E4A}"/>
+      <thm15:themeFamily xmlns="" xmlns:thm15="http://schemas.microsoft.com/office/thememl/2012/main" name="Office Theme" id="{62F939B6-93AF-4DB8-9C6B-D6C7DFDC589F}" vid="{4A3C46E8-61CC-4603-A589-7422A47A8E4A}"/>
     </a:ext>
   </a:extLst>
 </a:theme>
@@ -11561,7 +12293,7 @@
   <a:themeElements>
     <a:clrScheme name="Office">
       <a:dk1>
-        <a:sysClr val="windowText" lastClr="000000"/>
+        <a:sysClr val="windowText" lastClr="1F1F1F"/>
       </a:dk1>
       <a:lt1>
         <a:sysClr val="window" lastClr="FFFFFF"/>
@@ -11811,7 +12543,7 @@
   <a:extraClrSchemeLst/>
   <a:extLst>
     <a:ext uri="{05A4C25C-085E-4340-85A3-A5531E510DB2}">
-      <thm15:themeFamily xmlns:thm15="http://schemas.microsoft.com/office/thememl/2012/main" name="Office Theme" id="{62F939B6-93AF-4DB8-9C6B-D6C7DFDC589F}" vid="{4A3C46E8-61CC-4603-A589-7422A47A8E4A}"/>
+      <thm15:themeFamily xmlns="" xmlns:thm15="http://schemas.microsoft.com/office/thememl/2012/main" name="Office Theme" id="{62F939B6-93AF-4DB8-9C6B-D6C7DFDC589F}" vid="{4A3C46E8-61CC-4603-A589-7422A47A8E4A}"/>
     </a:ext>
   </a:extLst>
 </a:theme>
